--- a/Presentacion ANDREI IONUT VADUVA.pptx
+++ b/Presentacion ANDREI IONUT VADUVA.pptx
@@ -6455,7 +6455,7 @@
             </a:r>
             <a:r>
               <a:rPr lang="en-US" dirty="0" err="1"/>
-              <a:t>funcion</a:t>
+              <a:t>función</a:t>
             </a:r>
             <a:r>
               <a:rPr lang="en-US" dirty="0"/>
@@ -6479,7 +6479,7 @@
             </a:r>
             <a:r>
               <a:rPr lang="en-US" dirty="0" err="1"/>
-              <a:t>funcion</a:t>
+              <a:t>función</a:t>
             </a:r>
             <a:r>
               <a:rPr lang="en-US" dirty="0"/>
@@ -6559,7 +6559,7 @@
             </a:r>
             <a:r>
               <a:rPr lang="en-US" dirty="0" err="1"/>
-              <a:t>numero</a:t>
+              <a:t>número</a:t>
             </a:r>
             <a:r>
               <a:rPr lang="en-US" dirty="0"/>
